--- a/dbstudy/OraclePPT/17. 고급 SQL 작성하기_서브쿼리.pptx
+++ b/dbstudy/OraclePPT/17. 고급 SQL 작성하기_서브쿼리.pptx
@@ -226,7 +226,7 @@
           <a:p>
             <a:fld id="{E150CED1-0BD3-437E-982C-E8005E10CB37}" type="datetimeFigureOut">
               <a:rPr lang="ko-KR" altLang="en-US" smtClean="0"/>
-              <a:t>2022-01-07</a:t>
+              <a:t>2022-03-03</a:t>
             </a:fld>
             <a:endParaRPr lang="ko-KR" altLang="en-US"/>
           </a:p>
@@ -2962,8 +2962,12 @@
               </a:lnSpc>
             </a:pPr>
             <a:r>
-              <a:rPr lang="en-US" altLang="ko-KR" dirty="0"/>
-              <a:t>SUBQUERY;</a:t>
+              <a:rPr lang="en-US" altLang="ko-KR" dirty="0" smtClean="0"/>
+              <a:t>(</a:t>
+            </a:r>
+            <a:r>
+              <a:rPr lang="en-US" altLang="ko-KR" dirty="0" smtClean="0"/>
+              <a:t>SUBQUERY);</a:t>
             </a:r>
             <a:endParaRPr lang="ko-KR" altLang="en-US" dirty="0"/>
           </a:p>
@@ -3022,6 +3026,13 @@
   <p:clrMapOvr>
     <a:masterClrMapping/>
   </p:clrMapOvr>
+  <p:timing>
+    <p:tnLst>
+      <p:par>
+        <p:cTn id="1" dur="indefinite" restart="never" nodeType="tmRoot"/>
+      </p:par>
+    </p:tnLst>
+  </p:timing>
 </p:sld>
 </file>
 
@@ -3393,6 +3404,13 @@
   <p:clrMapOvr>
     <a:masterClrMapping/>
   </p:clrMapOvr>
+  <p:timing>
+    <p:tnLst>
+      <p:par>
+        <p:cTn id="1" dur="indefinite" restart="never" nodeType="tmRoot"/>
+      </p:par>
+    </p:tnLst>
+  </p:timing>
 </p:sld>
 </file>
 
@@ -3752,6 +3770,13 @@
   <p:clrMapOvr>
     <a:masterClrMapping/>
   </p:clrMapOvr>
+  <p:timing>
+    <p:tnLst>
+      <p:par>
+        <p:cTn id="1" dur="indefinite" restart="never" nodeType="tmRoot"/>
+      </p:par>
+    </p:tnLst>
+  </p:timing>
 </p:sld>
 </file>
 
@@ -4010,6 +4035,13 @@
   <p:clrMapOvr>
     <a:masterClrMapping/>
   </p:clrMapOvr>
+  <p:timing>
+    <p:tnLst>
+      <p:par>
+        <p:cTn id="1" dur="indefinite" restart="never" nodeType="tmRoot"/>
+      </p:par>
+    </p:tnLst>
+  </p:timing>
 </p:sld>
 </file>
 
@@ -10268,8 +10300,21 @@
             </a:pPr>
             <a:r>
               <a:rPr lang="en-US" altLang="ko-KR" dirty="0"/>
-              <a:t>AS SELECT * FROM employee;</a:t>
-            </a:r>
+              <a:t>AS </a:t>
+            </a:r>
+            <a:r>
+              <a:rPr lang="en-US" altLang="ko-KR" dirty="0" smtClean="0"/>
+              <a:t>(SELECT </a:t>
+            </a:r>
+            <a:r>
+              <a:rPr lang="en-US" altLang="ko-KR" dirty="0"/>
+              <a:t>* FROM </a:t>
+            </a:r>
+            <a:r>
+              <a:rPr lang="en-US" altLang="ko-KR" dirty="0" smtClean="0"/>
+              <a:t>employee);</a:t>
+            </a:r>
+            <a:endParaRPr lang="en-US" altLang="ko-KR" dirty="0"/>
           </a:p>
           <a:p>
             <a:pPr>
@@ -10395,8 +10440,13 @@
             </a:pPr>
             <a:r>
               <a:rPr lang="en-US" altLang="ko-KR" dirty="0"/>
-              <a:t>CREATE TABLE employee</a:t>
-            </a:r>
+              <a:t>CREATE TABLE </a:t>
+            </a:r>
+            <a:r>
+              <a:rPr lang="en-US" altLang="ko-KR" dirty="0" err="1" smtClean="0"/>
+              <a:t>new_employee</a:t>
+            </a:r>
+            <a:endParaRPr lang="en-US" altLang="ko-KR" dirty="0"/>
           </a:p>
           <a:p>
             <a:pPr marL="694944" lvl="4" indent="0">
@@ -10404,7 +10454,15 @@
             </a:pPr>
             <a:r>
               <a:rPr lang="en-US" altLang="ko-KR" dirty="0"/>
-              <a:t>AS SELECT * FROM employee WHERE </a:t>
+              <a:t>AS </a:t>
+            </a:r>
+            <a:r>
+              <a:rPr lang="en-US" altLang="ko-KR" dirty="0" smtClean="0"/>
+              <a:t>(SELECT </a:t>
+            </a:r>
+            <a:r>
+              <a:rPr lang="en-US" altLang="ko-KR" dirty="0"/>
+              <a:t>* FROM employee WHERE </a:t>
             </a:r>
             <a:r>
               <a:rPr lang="en-US" altLang="ko-KR" dirty="0">
@@ -10412,11 +10470,19 @@
                   <a:srgbClr val="FF0000"/>
                 </a:solidFill>
               </a:rPr>
-              <a:t>1 = 2</a:t>
-            </a:r>
-            <a:r>
-              <a:rPr lang="en-US" altLang="ko-KR" dirty="0"/>
-              <a:t>;</a:t>
+              <a:t>1 = </a:t>
+            </a:r>
+            <a:r>
+              <a:rPr lang="en-US" altLang="ko-KR" dirty="0" smtClean="0">
+                <a:solidFill>
+                  <a:srgbClr val="FF0000"/>
+                </a:solidFill>
+              </a:rPr>
+              <a:t>2</a:t>
+            </a:r>
+            <a:r>
+              <a:rPr lang="en-US" altLang="ko-KR" dirty="0" smtClean="0"/>
+              <a:t>);</a:t>
             </a:r>
             <a:endParaRPr lang="ko-KR" altLang="en-US" dirty="0"/>
           </a:p>
@@ -10499,6 +10565,13 @@
   <p:clrMapOvr>
     <a:masterClrMapping/>
   </p:clrMapOvr>
+  <p:timing>
+    <p:tnLst>
+      <p:par>
+        <p:cTn id="1" dur="indefinite" restart="never" nodeType="tmRoot"/>
+      </p:par>
+    </p:tnLst>
+  </p:timing>
 </p:sld>
 </file>
 
